--- a/Documentation/DOCUMENTATION MUSIC APP.pptx
+++ b/Documentation/DOCUMENTATION MUSIC APP.pptx
@@ -6022,6 +6022,165 @@
               <a:t>13</a:t>
             </a:fld>
             <a:endParaRPr lang="en-US"/>
+          </a:p>
+        </p:txBody>
+      </p:sp>
+      <p:sp>
+        <p:nvSpPr>
+          <p:cNvPr id="5" name="ZoneTexte 4"/>
+          <p:cNvSpPr txBox="1"/>
+          <p:nvPr/>
+        </p:nvSpPr>
+        <p:spPr>
+          <a:xfrm>
+            <a:off x="522513" y="2093424"/>
+            <a:ext cx="8453535" cy="1754326"/>
+          </a:xfrm>
+          <a:prstGeom prst="rect">
+            <a:avLst/>
+          </a:prstGeom>
+          <a:noFill/>
+        </p:spPr>
+        <p:txBody>
+          <a:bodyPr wrap="square" rtlCol="0">
+            <a:spAutoFit/>
+          </a:bodyPr>
+          <a:lstStyle/>
+          <a:p>
+            <a:pPr marL="342900" indent="-342900">
+              <a:lnSpc>
+                <a:spcPct val="200000"/>
+              </a:lnSpc>
+              <a:buFont typeface="+mj-lt"/>
+              <a:buAutoNum type="arabicPeriod"/>
+            </a:pPr>
+            <a:r>
+              <a:rPr lang="fr-FR" b="1" dirty="0" err="1" smtClean="0">
+                <a:solidFill>
+                  <a:srgbClr val="00B050"/>
+                </a:solidFill>
+              </a:rPr>
+              <a:t>Download</a:t>
+            </a:r>
+            <a:r>
+              <a:rPr lang="fr-FR" b="1" dirty="0" smtClean="0">
+                <a:solidFill>
+                  <a:srgbClr val="00B050"/>
+                </a:solidFill>
+              </a:rPr>
+              <a:t> the zip.</a:t>
+            </a:r>
+          </a:p>
+          <a:p>
+            <a:pPr marL="342900" indent="-342900">
+              <a:lnSpc>
+                <a:spcPct val="200000"/>
+              </a:lnSpc>
+              <a:buFont typeface="+mj-lt"/>
+              <a:buAutoNum type="arabicPeriod"/>
+            </a:pPr>
+            <a:r>
+              <a:rPr lang="fr-FR" b="1" dirty="0" err="1" smtClean="0">
+                <a:solidFill>
+                  <a:srgbClr val="00B050"/>
+                </a:solidFill>
+              </a:rPr>
+              <a:t>Unzip</a:t>
+            </a:r>
+            <a:r>
+              <a:rPr lang="fr-FR" b="1" dirty="0" smtClean="0">
+                <a:solidFill>
+                  <a:srgbClr val="00B050"/>
+                </a:solidFill>
+              </a:rPr>
+              <a:t> </a:t>
+            </a:r>
+            <a:r>
+              <a:rPr lang="fr-FR" b="1" dirty="0" err="1" smtClean="0">
+                <a:solidFill>
+                  <a:srgbClr val="00B050"/>
+                </a:solidFill>
+              </a:rPr>
+              <a:t>it</a:t>
+            </a:r>
+            <a:r>
+              <a:rPr lang="fr-FR" b="1" dirty="0" smtClean="0">
+                <a:solidFill>
+                  <a:srgbClr val="00B050"/>
+                </a:solidFill>
+              </a:rPr>
+              <a:t>.</a:t>
+            </a:r>
+          </a:p>
+          <a:p>
+            <a:pPr marL="342900" indent="-342900">
+              <a:lnSpc>
+                <a:spcPct val="200000"/>
+              </a:lnSpc>
+              <a:buFont typeface="+mj-lt"/>
+              <a:buAutoNum type="arabicPeriod"/>
+            </a:pPr>
+            <a:r>
+              <a:rPr lang="fr-FR" b="1" dirty="0" smtClean="0">
+                <a:solidFill>
+                  <a:srgbClr val="00B050"/>
+                </a:solidFill>
+              </a:rPr>
+              <a:t>Open </a:t>
+            </a:r>
+            <a:r>
+              <a:rPr lang="fr-FR" b="1" dirty="0" err="1" smtClean="0">
+                <a:solidFill>
+                  <a:srgbClr val="00B050"/>
+                </a:solidFill>
+              </a:rPr>
+              <a:t>each</a:t>
+            </a:r>
+            <a:r>
+              <a:rPr lang="fr-FR" b="1" dirty="0" smtClean="0">
+                <a:solidFill>
+                  <a:srgbClr val="00B050"/>
+                </a:solidFill>
+              </a:rPr>
+              <a:t> file in </a:t>
+            </a:r>
+            <a:r>
+              <a:rPr lang="fr-FR" b="1" dirty="0" err="1" smtClean="0">
+                <a:solidFill>
+                  <a:srgbClr val="00B050"/>
+                </a:solidFill>
+              </a:rPr>
+              <a:t>your</a:t>
+            </a:r>
+            <a:r>
+              <a:rPr lang="fr-FR" b="1" dirty="0" smtClean="0">
+                <a:solidFill>
+                  <a:srgbClr val="00B050"/>
+                </a:solidFill>
+              </a:rPr>
+              <a:t> browser to </a:t>
+            </a:r>
+            <a:r>
+              <a:rPr lang="fr-FR" b="1" dirty="0" err="1" smtClean="0">
+                <a:solidFill>
+                  <a:srgbClr val="00B050"/>
+                </a:solidFill>
+              </a:rPr>
+              <a:t>view</a:t>
+            </a:r>
+            <a:r>
+              <a:rPr lang="fr-FR" b="1" dirty="0" smtClean="0">
+                <a:solidFill>
+                  <a:srgbClr val="00B050"/>
+                </a:solidFill>
+              </a:rPr>
+              <a:t> the content.</a:t>
+            </a:r>
+            <a:endParaRPr lang="en-US" b="1" dirty="0">
+              <a:solidFill>
+                <a:srgbClr val="00B050"/>
+              </a:solidFill>
+            </a:endParaRPr>
           </a:p>
         </p:txBody>
       </p:sp>
